--- a/常用算法模板/三角剖分/三角剖分.pptx
+++ b/常用算法模板/三角剖分/三角剖分.pptx
@@ -26,11 +26,13 @@
     <p:sldId id="281" r:id="rId19"/>
     <p:sldId id="282" r:id="rId20"/>
     <p:sldId id="284" r:id="rId21"/>
+    <p:sldId id="285" r:id="rId22"/>
+    <p:sldId id="286" r:id="rId23"/>
   </p:sldIdLst>
   <p:sldSz cx="12192000" cy="6858000"/>
   <p:notesSz cx="6858000" cy="9144000"/>
   <p:custDataLst>
-    <p:tags r:id="rId25"/>
+    <p:tags r:id="rId27"/>
   </p:custDataLst>
   <p:defaultTextStyle>
     <a:defPPr>
@@ -11536,6 +11538,334 @@
 </p:sld>
 </file>
 
+<file path=ppt/slides/slide19.xml><?xml version="1.0" encoding="utf-8"?>
+<p:sld xmlns:a="http://schemas.openxmlformats.org/drawingml/2006/main" xmlns:r="http://schemas.openxmlformats.org/officeDocument/2006/relationships" xmlns:p="http://schemas.openxmlformats.org/presentationml/2006/main">
+  <p:cSld>
+    <p:spTree>
+      <p:nvGrpSpPr>
+        <p:cNvPr id="1" name=""/>
+        <p:cNvGrpSpPr/>
+        <p:nvPr/>
+      </p:nvGrpSpPr>
+      <p:grpSpPr/>
+      <p:sp>
+        <p:nvSpPr>
+          <p:cNvPr id="5" name="矩形 4"/>
+          <p:cNvSpPr/>
+          <p:nvPr/>
+        </p:nvSpPr>
+        <p:spPr>
+          <a:xfrm rot="2400000">
+            <a:off x="3216910" y="1834515"/>
+            <a:ext cx="1764030" cy="1764030"/>
+          </a:xfrm>
+          <a:prstGeom prst="rect">
+            <a:avLst/>
+          </a:prstGeom>
+          <a:noFill/>
+        </p:spPr>
+        <p:style>
+          <a:lnRef idx="2">
+            <a:schemeClr val="accent1">
+              <a:lumMod val="75000"/>
+            </a:schemeClr>
+          </a:lnRef>
+          <a:fillRef idx="1">
+            <a:schemeClr val="accent1"/>
+          </a:fillRef>
+          <a:effectRef idx="0">
+            <a:srgbClr val="FFFFFF"/>
+          </a:effectRef>
+          <a:fontRef idx="minor">
+            <a:schemeClr val="lt1"/>
+          </a:fontRef>
+        </p:style>
+        <p:txBody>
+          <a:bodyPr rtlCol="0" anchor="ctr"/>
+          <a:p>
+            <a:pPr algn="ctr"/>
+            <a:endParaRPr lang="zh-CN" altLang="en-US"/>
+          </a:p>
+        </p:txBody>
+      </p:sp>
+      <p:cxnSp>
+        <p:nvCxnSpPr>
+          <p:cNvPr id="6" name="直接连接符 5"/>
+          <p:cNvCxnSpPr/>
+          <p:nvPr/>
+        </p:nvCxnSpPr>
+        <p:spPr>
+          <a:xfrm flipV="1">
+            <a:off x="2856230" y="2599690"/>
+            <a:ext cx="2485390" cy="222885"/>
+          </a:xfrm>
+          <a:prstGeom prst="line">
+            <a:avLst/>
+          </a:prstGeom>
+        </p:spPr>
+        <p:style>
+          <a:lnRef idx="2">
+            <a:schemeClr val="accent1"/>
+          </a:lnRef>
+          <a:fillRef idx="0">
+            <a:srgbClr val="FFFFFF"/>
+          </a:fillRef>
+          <a:effectRef idx="0">
+            <a:srgbClr val="FFFFFF"/>
+          </a:effectRef>
+          <a:fontRef idx="minor">
+            <a:schemeClr val="tx1"/>
+          </a:fontRef>
+        </p:style>
+      </p:cxnSp>
+      <p:sp>
+        <p:nvSpPr>
+          <p:cNvPr id="7" name="文本框 6"/>
+          <p:cNvSpPr txBox="1"/>
+          <p:nvPr/>
+        </p:nvSpPr>
+        <p:spPr>
+          <a:xfrm>
+            <a:off x="4050030" y="1271905"/>
+            <a:ext cx="516890" cy="368300"/>
+          </a:xfrm>
+          <a:prstGeom prst="rect">
+            <a:avLst/>
+          </a:prstGeom>
+          <a:noFill/>
+        </p:spPr>
+        <p:txBody>
+          <a:bodyPr wrap="square" rtlCol="0">
+            <a:spAutoFit/>
+          </a:bodyPr>
+          <a:p>
+            <a:r>
+              <a:rPr lang="en-US" altLang="zh-CN"/>
+              <a:t>P1</a:t>
+            </a:r>
+            <a:endParaRPr lang="en-US" altLang="zh-CN"/>
+          </a:p>
+        </p:txBody>
+      </p:sp>
+      <p:sp>
+        <p:nvSpPr>
+          <p:cNvPr id="8" name="文本框 7"/>
+          <p:cNvSpPr txBox="1"/>
+          <p:nvPr>
+            <p:custDataLst>
+              <p:tags r:id="rId1"/>
+            </p:custDataLst>
+          </p:nvPr>
+        </p:nvSpPr>
+        <p:spPr>
+          <a:xfrm>
+            <a:off x="2432685" y="2668270"/>
+            <a:ext cx="516890" cy="368300"/>
+          </a:xfrm>
+          <a:prstGeom prst="rect">
+            <a:avLst/>
+          </a:prstGeom>
+          <a:noFill/>
+        </p:spPr>
+        <p:txBody>
+          <a:bodyPr wrap="square" rtlCol="0">
+            <a:spAutoFit/>
+          </a:bodyPr>
+          <a:p>
+            <a:r>
+              <a:rPr lang="en-US" altLang="zh-CN"/>
+              <a:t>P3</a:t>
+            </a:r>
+            <a:endParaRPr lang="en-US" altLang="zh-CN"/>
+          </a:p>
+        </p:txBody>
+      </p:sp>
+      <p:sp>
+        <p:nvSpPr>
+          <p:cNvPr id="9" name="文本框 8"/>
+          <p:cNvSpPr txBox="1"/>
+          <p:nvPr>
+            <p:custDataLst>
+              <p:tags r:id="rId2"/>
+            </p:custDataLst>
+          </p:nvPr>
+        </p:nvSpPr>
+        <p:spPr>
+          <a:xfrm>
+            <a:off x="5341620" y="2454275"/>
+            <a:ext cx="516890" cy="368300"/>
+          </a:xfrm>
+          <a:prstGeom prst="rect">
+            <a:avLst/>
+          </a:prstGeom>
+          <a:noFill/>
+        </p:spPr>
+        <p:txBody>
+          <a:bodyPr wrap="square" rtlCol="0">
+            <a:spAutoFit/>
+          </a:bodyPr>
+          <a:p>
+            <a:r>
+              <a:rPr lang="en-US" altLang="zh-CN"/>
+              <a:t>P2</a:t>
+            </a:r>
+            <a:endParaRPr lang="en-US" altLang="zh-CN"/>
+          </a:p>
+        </p:txBody>
+      </p:sp>
+      <p:sp>
+        <p:nvSpPr>
+          <p:cNvPr id="10" name="文本框 9"/>
+          <p:cNvSpPr txBox="1"/>
+          <p:nvPr>
+            <p:custDataLst>
+              <p:tags r:id="rId3"/>
+            </p:custDataLst>
+          </p:nvPr>
+        </p:nvSpPr>
+        <p:spPr>
+          <a:xfrm>
+            <a:off x="3945890" y="3959225"/>
+            <a:ext cx="516890" cy="368300"/>
+          </a:xfrm>
+          <a:prstGeom prst="rect">
+            <a:avLst/>
+          </a:prstGeom>
+          <a:noFill/>
+        </p:spPr>
+        <p:txBody>
+          <a:bodyPr wrap="square" rtlCol="0">
+            <a:spAutoFit/>
+          </a:bodyPr>
+          <a:p>
+            <a:r>
+              <a:rPr lang="en-US" altLang="zh-CN"/>
+              <a:t>P4</a:t>
+            </a:r>
+            <a:endParaRPr lang="en-US" altLang="zh-CN"/>
+          </a:p>
+        </p:txBody>
+      </p:sp>
+      <p:cxnSp>
+        <p:nvCxnSpPr>
+          <p:cNvPr id="11" name="直接连接符 10"/>
+          <p:cNvCxnSpPr/>
+          <p:nvPr/>
+        </p:nvCxnSpPr>
+        <p:spPr>
+          <a:xfrm>
+            <a:off x="3953510" y="1010285"/>
+            <a:ext cx="309880" cy="3479165"/>
+          </a:xfrm>
+          <a:prstGeom prst="line">
+            <a:avLst/>
+          </a:prstGeom>
+          <a:ln>
+            <a:solidFill>
+              <a:srgbClr val="FF0000"/>
+            </a:solidFill>
+            <a:prstDash val="dash"/>
+          </a:ln>
+        </p:spPr>
+        <p:style>
+          <a:lnRef idx="2">
+            <a:schemeClr val="accent1"/>
+          </a:lnRef>
+          <a:fillRef idx="0">
+            <a:srgbClr val="FFFFFF"/>
+          </a:fillRef>
+          <a:effectRef idx="0">
+            <a:srgbClr val="FFFFFF"/>
+          </a:effectRef>
+          <a:fontRef idx="minor">
+            <a:schemeClr val="tx1"/>
+          </a:fontRef>
+        </p:style>
+      </p:cxnSp>
+      <p:cxnSp>
+        <p:nvCxnSpPr>
+          <p:cNvPr id="12" name="直接连接符 11"/>
+          <p:cNvCxnSpPr/>
+          <p:nvPr/>
+        </p:nvCxnSpPr>
+        <p:spPr>
+          <a:xfrm flipV="1">
+            <a:off x="2625725" y="1010285"/>
+            <a:ext cx="2936240" cy="3479165"/>
+          </a:xfrm>
+          <a:prstGeom prst="line">
+            <a:avLst/>
+          </a:prstGeom>
+          <a:ln>
+            <a:solidFill>
+              <a:schemeClr val="accent4"/>
+            </a:solidFill>
+            <a:prstDash val="dash"/>
+          </a:ln>
+        </p:spPr>
+        <p:style>
+          <a:lnRef idx="2">
+            <a:schemeClr val="accent1"/>
+          </a:lnRef>
+          <a:fillRef idx="0">
+            <a:srgbClr val="FFFFFF"/>
+          </a:fillRef>
+          <a:effectRef idx="0">
+            <a:srgbClr val="FFFFFF"/>
+          </a:effectRef>
+          <a:fontRef idx="minor">
+            <a:schemeClr val="tx1"/>
+          </a:fontRef>
+        </p:style>
+      </p:cxnSp>
+      <p:cxnSp>
+        <p:nvCxnSpPr>
+          <p:cNvPr id="13" name="直接连接符 12"/>
+          <p:cNvCxnSpPr/>
+          <p:nvPr>
+            <p:custDataLst>
+              <p:tags r:id="rId4"/>
+            </p:custDataLst>
+          </p:nvPr>
+        </p:nvCxnSpPr>
+        <p:spPr>
+          <a:xfrm>
+            <a:off x="2218690" y="1473835"/>
+            <a:ext cx="4011930" cy="2618740"/>
+          </a:xfrm>
+          <a:prstGeom prst="line">
+            <a:avLst/>
+          </a:prstGeom>
+          <a:ln>
+            <a:solidFill>
+              <a:schemeClr val="accent4"/>
+            </a:solidFill>
+            <a:prstDash val="dash"/>
+          </a:ln>
+        </p:spPr>
+        <p:style>
+          <a:lnRef idx="2">
+            <a:schemeClr val="accent1"/>
+          </a:lnRef>
+          <a:fillRef idx="0">
+            <a:srgbClr val="FFFFFF"/>
+          </a:fillRef>
+          <a:effectRef idx="0">
+            <a:srgbClr val="FFFFFF"/>
+          </a:effectRef>
+          <a:fontRef idx="minor">
+            <a:schemeClr val="tx1"/>
+          </a:fontRef>
+        </p:style>
+      </p:cxnSp>
+    </p:spTree>
+  </p:cSld>
+  <p:clrMapOvr>
+    <a:masterClrMapping/>
+  </p:clrMapOvr>
+</p:sld>
+</file>
+
 <file path=ppt/slides/slide2.xml><?xml version="1.0" encoding="utf-8"?>
 <p:sld xmlns:a="http://schemas.openxmlformats.org/drawingml/2006/main" xmlns:r="http://schemas.openxmlformats.org/officeDocument/2006/relationships" xmlns:p="http://schemas.openxmlformats.org/presentationml/2006/main">
   <p:cSld>
@@ -12218,6 +12548,544 @@
           </a:p>
         </p:txBody>
       </p:sp>
+    </p:spTree>
+  </p:cSld>
+  <p:clrMapOvr>
+    <a:masterClrMapping/>
+  </p:clrMapOvr>
+</p:sld>
+</file>
+
+<file path=ppt/slides/slide20.xml><?xml version="1.0" encoding="utf-8"?>
+<p:sld xmlns:a="http://schemas.openxmlformats.org/drawingml/2006/main" xmlns:r="http://schemas.openxmlformats.org/officeDocument/2006/relationships" xmlns:p="http://schemas.openxmlformats.org/presentationml/2006/main">
+  <p:cSld>
+    <p:spTree>
+      <p:nvGrpSpPr>
+        <p:cNvPr id="1" name=""/>
+        <p:cNvGrpSpPr/>
+        <p:nvPr/>
+      </p:nvGrpSpPr>
+      <p:grpSpPr/>
+      <p:grpSp>
+        <p:nvGrpSpPr>
+          <p:cNvPr id="16" name="组合 15"/>
+          <p:cNvGrpSpPr/>
+          <p:nvPr/>
+        </p:nvGrpSpPr>
+        <p:grpSpPr>
+          <a:xfrm rot="9180000">
+            <a:off x="2562860" y="1095375"/>
+            <a:ext cx="2242820" cy="2697480"/>
+            <a:chOff x="4036" y="1725"/>
+            <a:chExt cx="3532" cy="4248"/>
+          </a:xfrm>
+        </p:grpSpPr>
+        <p:sp>
+          <p:nvSpPr>
+            <p:cNvPr id="4" name="任意多边形 3"/>
+            <p:cNvSpPr/>
+            <p:nvPr/>
+          </p:nvSpPr>
+          <p:spPr>
+            <a:xfrm rot="10500000">
+              <a:off x="4120" y="1867"/>
+              <a:ext cx="3449" cy="4106"/>
+            </a:xfrm>
+            <a:custGeom>
+              <a:avLst/>
+              <a:gdLst>
+                <a:gd name="connisteX0" fmla="*/ 396875 w 2190115"/>
+                <a:gd name="connsiteY0" fmla="*/ 0 h 2607310"/>
+                <a:gd name="connisteX1" fmla="*/ 1851025 w 2190115"/>
+                <a:gd name="connsiteY1" fmla="*/ 571500 h 2607310"/>
+                <a:gd name="connisteX2" fmla="*/ 2190115 w 2190115"/>
+                <a:gd name="connsiteY2" fmla="*/ 1482725 h 2607310"/>
+                <a:gd name="connisteX3" fmla="*/ 1821815 w 2190115"/>
+                <a:gd name="connsiteY3" fmla="*/ 2423160 h 2607310"/>
+                <a:gd name="connisteX4" fmla="*/ 0 w 2190115"/>
+                <a:gd name="connsiteY4" fmla="*/ 2607310 h 2607310"/>
+              </a:gdLst>
+              <a:ahLst/>
+              <a:cxnLst>
+                <a:cxn ang="0">
+                  <a:pos x="connisteX0" y="connsiteY0"/>
+                </a:cxn>
+                <a:cxn ang="0">
+                  <a:pos x="connisteX1" y="connsiteY1"/>
+                </a:cxn>
+                <a:cxn ang="0">
+                  <a:pos x="connisteX2" y="connsiteY2"/>
+                </a:cxn>
+                <a:cxn ang="0">
+                  <a:pos x="connisteX3" y="connsiteY3"/>
+                </a:cxn>
+                <a:cxn ang="0">
+                  <a:pos x="connisteX4" y="connsiteY4"/>
+                </a:cxn>
+              </a:cxnLst>
+              <a:rect l="l" t="t" r="r" b="b"/>
+              <a:pathLst>
+                <a:path w="2190115" h="2607310">
+                  <a:moveTo>
+                    <a:pt x="396875" y="0"/>
+                  </a:moveTo>
+                  <a:lnTo>
+                    <a:pt x="1851025" y="571500"/>
+                  </a:lnTo>
+                  <a:lnTo>
+                    <a:pt x="2190115" y="1482725"/>
+                  </a:lnTo>
+                  <a:lnTo>
+                    <a:pt x="1821815" y="2423160"/>
+                  </a:lnTo>
+                  <a:lnTo>
+                    <a:pt x="0" y="2607310"/>
+                  </a:lnTo>
+                </a:path>
+              </a:pathLst>
+            </a:custGeom>
+            <a:noFill/>
+          </p:spPr>
+          <p:style>
+            <a:lnRef idx="2">
+              <a:schemeClr val="accent1">
+                <a:lumMod val="75000"/>
+              </a:schemeClr>
+            </a:lnRef>
+            <a:fillRef idx="1">
+              <a:schemeClr val="accent1"/>
+            </a:fillRef>
+            <a:effectRef idx="0">
+              <a:srgbClr val="FFFFFF"/>
+            </a:effectRef>
+            <a:fontRef idx="minor">
+              <a:schemeClr val="lt1"/>
+            </a:fontRef>
+          </p:style>
+          <p:txBody>
+            <a:bodyPr rtlCol="0" anchor="ctr"/>
+            <a:p>
+              <a:pPr algn="ctr"/>
+              <a:endParaRPr lang="zh-CN" altLang="en-US"/>
+            </a:p>
+          </p:txBody>
+        </p:sp>
+        <p:cxnSp>
+          <p:nvCxnSpPr>
+            <p:cNvPr id="5" name="直接箭头连接符 4"/>
+            <p:cNvCxnSpPr/>
+            <p:nvPr/>
+          </p:nvCxnSpPr>
+          <p:spPr>
+            <a:xfrm flipH="1">
+              <a:off x="4551" y="1725"/>
+              <a:ext cx="2889" cy="538"/>
+            </a:xfrm>
+            <a:prstGeom prst="straightConnector1">
+              <a:avLst/>
+            </a:prstGeom>
+            <a:ln>
+              <a:tailEnd type="arrow"/>
+            </a:ln>
+          </p:spPr>
+          <p:style>
+            <a:lnRef idx="2">
+              <a:schemeClr val="accent1"/>
+            </a:lnRef>
+            <a:fillRef idx="0">
+              <a:srgbClr val="FFFFFF"/>
+            </a:fillRef>
+            <a:effectRef idx="0">
+              <a:srgbClr val="FFFFFF"/>
+            </a:effectRef>
+            <a:fontRef idx="minor">
+              <a:schemeClr val="tx1"/>
+            </a:fontRef>
+          </p:style>
+        </p:cxnSp>
+        <p:cxnSp>
+          <p:nvCxnSpPr>
+            <p:cNvPr id="6" name="直接箭头连接符 5"/>
+            <p:cNvCxnSpPr>
+              <a:endCxn id="4" idx="2"/>
+            </p:cNvCxnSpPr>
+            <p:nvPr>
+              <p:custDataLst>
+                <p:tags r:id="rId1"/>
+              </p:custDataLst>
+            </p:nvPr>
+          </p:nvCxnSpPr>
+          <p:spPr>
+            <a:xfrm rot="10500000" flipV="1">
+              <a:off x="4036" y="2286"/>
+              <a:ext cx="580" cy="1481"/>
+            </a:xfrm>
+            <a:prstGeom prst="straightConnector1">
+              <a:avLst/>
+            </a:prstGeom>
+            <a:ln>
+              <a:tailEnd type="arrow"/>
+            </a:ln>
+          </p:spPr>
+          <p:style>
+            <a:lnRef idx="2">
+              <a:schemeClr val="accent1"/>
+            </a:lnRef>
+            <a:fillRef idx="0">
+              <a:srgbClr val="FFFFFF"/>
+            </a:fillRef>
+            <a:effectRef idx="0">
+              <a:srgbClr val="FFFFFF"/>
+            </a:effectRef>
+            <a:fontRef idx="minor">
+              <a:schemeClr val="tx1"/>
+            </a:fontRef>
+          </p:style>
+        </p:cxnSp>
+        <p:cxnSp>
+          <p:nvCxnSpPr>
+            <p:cNvPr id="7" name="直接箭头连接符 6"/>
+            <p:cNvCxnSpPr>
+              <a:endCxn id="4" idx="1"/>
+            </p:cNvCxnSpPr>
+            <p:nvPr>
+              <p:custDataLst>
+                <p:tags r:id="rId2"/>
+              </p:custDataLst>
+            </p:nvPr>
+          </p:nvCxnSpPr>
+          <p:spPr>
+            <a:xfrm rot="10500000" flipH="1" flipV="1">
+              <a:off x="4164" y="3764"/>
+              <a:ext cx="534" cy="1435"/>
+            </a:xfrm>
+            <a:prstGeom prst="straightConnector1">
+              <a:avLst/>
+            </a:prstGeom>
+            <a:ln>
+              <a:tailEnd type="arrow"/>
+            </a:ln>
+          </p:spPr>
+          <p:style>
+            <a:lnRef idx="2">
+              <a:schemeClr val="accent1"/>
+            </a:lnRef>
+            <a:fillRef idx="0">
+              <a:srgbClr val="FFFFFF"/>
+            </a:fillRef>
+            <a:effectRef idx="0">
+              <a:srgbClr val="FFFFFF"/>
+            </a:effectRef>
+            <a:fontRef idx="minor">
+              <a:schemeClr val="tx1"/>
+            </a:fontRef>
+          </p:style>
+        </p:cxnSp>
+        <p:cxnSp>
+          <p:nvCxnSpPr>
+            <p:cNvPr id="8" name="直接箭头连接符 7"/>
+            <p:cNvCxnSpPr/>
+            <p:nvPr>
+              <p:custDataLst>
+                <p:tags r:id="rId3"/>
+              </p:custDataLst>
+            </p:nvPr>
+          </p:nvCxnSpPr>
+          <p:spPr>
+            <a:xfrm rot="10500000" flipH="1" flipV="1">
+              <a:off x="4794" y="5071"/>
+              <a:ext cx="2290" cy="900"/>
+            </a:xfrm>
+            <a:prstGeom prst="straightConnector1">
+              <a:avLst/>
+            </a:prstGeom>
+            <a:ln>
+              <a:tailEnd type="arrow"/>
+            </a:ln>
+          </p:spPr>
+          <p:style>
+            <a:lnRef idx="2">
+              <a:schemeClr val="accent1"/>
+            </a:lnRef>
+            <a:fillRef idx="0">
+              <a:srgbClr val="FFFFFF"/>
+            </a:fillRef>
+            <a:effectRef idx="0">
+              <a:srgbClr val="FFFFFF"/>
+            </a:effectRef>
+            <a:fontRef idx="minor">
+              <a:schemeClr val="tx1"/>
+            </a:fontRef>
+          </p:style>
+        </p:cxnSp>
+      </p:grpSp>
+      <p:grpSp>
+        <p:nvGrpSpPr>
+          <p:cNvPr id="17" name="组合 16"/>
+          <p:cNvGrpSpPr/>
+          <p:nvPr/>
+        </p:nvGrpSpPr>
+        <p:grpSpPr>
+          <a:xfrm rot="20760000">
+            <a:off x="7132955" y="1376045"/>
+            <a:ext cx="2098675" cy="2607310"/>
+            <a:chOff x="11233" y="2167"/>
+            <a:chExt cx="3305" cy="4106"/>
+          </a:xfrm>
+        </p:grpSpPr>
+        <p:sp>
+          <p:nvSpPr>
+            <p:cNvPr id="11" name="任意多边形 10"/>
+            <p:cNvSpPr/>
+            <p:nvPr>
+              <p:custDataLst>
+                <p:tags r:id="rId4"/>
+              </p:custDataLst>
+            </p:nvPr>
+          </p:nvSpPr>
+          <p:spPr>
+            <a:xfrm rot="10800000" flipH="1">
+              <a:off x="11262" y="2167"/>
+              <a:ext cx="3277" cy="4106"/>
+            </a:xfrm>
+            <a:custGeom>
+              <a:avLst/>
+              <a:gdLst>
+                <a:gd name="connisteX0" fmla="*/ 396875 w 2190115"/>
+                <a:gd name="connsiteY0" fmla="*/ 0 h 2607310"/>
+                <a:gd name="connisteX1" fmla="*/ 1851025 w 2190115"/>
+                <a:gd name="connsiteY1" fmla="*/ 571500 h 2607310"/>
+                <a:gd name="connisteX2" fmla="*/ 2190115 w 2190115"/>
+                <a:gd name="connsiteY2" fmla="*/ 1482725 h 2607310"/>
+                <a:gd name="connisteX3" fmla="*/ 1821815 w 2190115"/>
+                <a:gd name="connsiteY3" fmla="*/ 2423160 h 2607310"/>
+                <a:gd name="connisteX4" fmla="*/ 0 w 2190115"/>
+                <a:gd name="connsiteY4" fmla="*/ 2607310 h 2607310"/>
+              </a:gdLst>
+              <a:ahLst/>
+              <a:cxnLst>
+                <a:cxn ang="0">
+                  <a:pos x="connisteX0" y="connsiteY0"/>
+                </a:cxn>
+                <a:cxn ang="0">
+                  <a:pos x="connisteX1" y="connsiteY1"/>
+                </a:cxn>
+                <a:cxn ang="0">
+                  <a:pos x="connisteX2" y="connsiteY2"/>
+                </a:cxn>
+                <a:cxn ang="0">
+                  <a:pos x="connisteX3" y="connsiteY3"/>
+                </a:cxn>
+                <a:cxn ang="0">
+                  <a:pos x="connisteX4" y="connsiteY4"/>
+                </a:cxn>
+              </a:cxnLst>
+              <a:rect l="l" t="t" r="r" b="b"/>
+              <a:pathLst>
+                <a:path w="2190115" h="2607310">
+                  <a:moveTo>
+                    <a:pt x="396875" y="0"/>
+                  </a:moveTo>
+                  <a:lnTo>
+                    <a:pt x="1851025" y="571500"/>
+                  </a:lnTo>
+                  <a:lnTo>
+                    <a:pt x="2190115" y="1482725"/>
+                  </a:lnTo>
+                  <a:lnTo>
+                    <a:pt x="1821815" y="2423160"/>
+                  </a:lnTo>
+                  <a:lnTo>
+                    <a:pt x="0" y="2607310"/>
+                  </a:lnTo>
+                </a:path>
+              </a:pathLst>
+            </a:custGeom>
+            <a:noFill/>
+          </p:spPr>
+          <p:style>
+            <a:lnRef idx="2">
+              <a:schemeClr val="accent1">
+                <a:lumMod val="75000"/>
+              </a:schemeClr>
+            </a:lnRef>
+            <a:fillRef idx="1">
+              <a:schemeClr val="accent1"/>
+            </a:fillRef>
+            <a:effectRef idx="0">
+              <a:srgbClr val="FFFFFF"/>
+            </a:effectRef>
+            <a:fontRef idx="minor">
+              <a:schemeClr val="lt1"/>
+            </a:fontRef>
+          </p:style>
+          <p:txBody>
+            <a:bodyPr rtlCol="0" anchor="ctr"/>
+            <a:p>
+              <a:pPr algn="ctr"/>
+              <a:endParaRPr lang="zh-CN" altLang="en-US"/>
+            </a:p>
+          </p:txBody>
+        </p:sp>
+        <p:cxnSp>
+          <p:nvCxnSpPr>
+            <p:cNvPr id="12" name="直接箭头连接符 11"/>
+            <p:cNvCxnSpPr>
+              <a:endCxn id="11" idx="3"/>
+            </p:cNvCxnSpPr>
+            <p:nvPr>
+              <p:custDataLst>
+                <p:tags r:id="rId5"/>
+              </p:custDataLst>
+            </p:nvPr>
+          </p:nvCxnSpPr>
+          <p:spPr>
+            <a:xfrm rot="10800000" flipH="1" flipV="1">
+              <a:off x="11233" y="2183"/>
+              <a:ext cx="2755" cy="274"/>
+            </a:xfrm>
+            <a:prstGeom prst="straightConnector1">
+              <a:avLst/>
+            </a:prstGeom>
+            <a:ln>
+              <a:headEnd type="arrow"/>
+              <a:tailEnd type="none"/>
+            </a:ln>
+          </p:spPr>
+          <p:style>
+            <a:lnRef idx="2">
+              <a:schemeClr val="accent1"/>
+            </a:lnRef>
+            <a:fillRef idx="0">
+              <a:srgbClr val="FFFFFF"/>
+            </a:fillRef>
+            <a:effectRef idx="0">
+              <a:srgbClr val="FFFFFF"/>
+            </a:effectRef>
+            <a:fontRef idx="minor">
+              <a:schemeClr val="tx1"/>
+            </a:fontRef>
+          </p:style>
+        </p:cxnSp>
+        <p:cxnSp>
+          <p:nvCxnSpPr>
+            <p:cNvPr id="13" name="直接箭头连接符 12"/>
+            <p:cNvCxnSpPr>
+              <a:endCxn id="11" idx="2"/>
+            </p:cNvCxnSpPr>
+            <p:nvPr>
+              <p:custDataLst>
+                <p:tags r:id="rId6"/>
+              </p:custDataLst>
+            </p:nvPr>
+          </p:nvCxnSpPr>
+          <p:spPr>
+            <a:xfrm rot="10800000" flipH="1" flipV="1">
+              <a:off x="13988" y="2457"/>
+              <a:ext cx="551" cy="1481"/>
+            </a:xfrm>
+            <a:prstGeom prst="straightConnector1">
+              <a:avLst/>
+            </a:prstGeom>
+            <a:ln>
+              <a:headEnd type="arrow"/>
+              <a:tailEnd type="none"/>
+            </a:ln>
+          </p:spPr>
+          <p:style>
+            <a:lnRef idx="2">
+              <a:schemeClr val="accent1"/>
+            </a:lnRef>
+            <a:fillRef idx="0">
+              <a:srgbClr val="FFFFFF"/>
+            </a:fillRef>
+            <a:effectRef idx="0">
+              <a:srgbClr val="FFFFFF"/>
+            </a:effectRef>
+            <a:fontRef idx="minor">
+              <a:schemeClr val="tx1"/>
+            </a:fontRef>
+          </p:style>
+        </p:cxnSp>
+        <p:cxnSp>
+          <p:nvCxnSpPr>
+            <p:cNvPr id="14" name="直接箭头连接符 13"/>
+            <p:cNvCxnSpPr>
+              <a:endCxn id="11" idx="1"/>
+            </p:cNvCxnSpPr>
+            <p:nvPr>
+              <p:custDataLst>
+                <p:tags r:id="rId7"/>
+              </p:custDataLst>
+            </p:nvPr>
+          </p:nvCxnSpPr>
+          <p:spPr>
+            <a:xfrm rot="10800000" flipV="1">
+              <a:off x="14032" y="3938"/>
+              <a:ext cx="507" cy="1435"/>
+            </a:xfrm>
+            <a:prstGeom prst="straightConnector1">
+              <a:avLst/>
+            </a:prstGeom>
+            <a:ln>
+              <a:headEnd type="arrow"/>
+              <a:tailEnd type="none"/>
+            </a:ln>
+          </p:spPr>
+          <p:style>
+            <a:lnRef idx="2">
+              <a:schemeClr val="accent1"/>
+            </a:lnRef>
+            <a:fillRef idx="0">
+              <a:srgbClr val="FFFFFF"/>
+            </a:fillRef>
+            <a:effectRef idx="0">
+              <a:srgbClr val="FFFFFF"/>
+            </a:effectRef>
+            <a:fontRef idx="minor">
+              <a:schemeClr val="tx1"/>
+            </a:fontRef>
+          </p:style>
+        </p:cxnSp>
+        <p:cxnSp>
+          <p:nvCxnSpPr>
+            <p:cNvPr id="15" name="直接箭头连接符 14"/>
+            <p:cNvCxnSpPr/>
+            <p:nvPr>
+              <p:custDataLst>
+                <p:tags r:id="rId8"/>
+              </p:custDataLst>
+            </p:nvPr>
+          </p:nvCxnSpPr>
+          <p:spPr>
+            <a:xfrm rot="10800000" flipV="1">
+              <a:off x="11856" y="5373"/>
+              <a:ext cx="2176" cy="900"/>
+            </a:xfrm>
+            <a:prstGeom prst="straightConnector1">
+              <a:avLst/>
+            </a:prstGeom>
+            <a:ln>
+              <a:headEnd type="arrow"/>
+              <a:tailEnd type="none"/>
+            </a:ln>
+          </p:spPr>
+          <p:style>
+            <a:lnRef idx="2">
+              <a:schemeClr val="accent1"/>
+            </a:lnRef>
+            <a:fillRef idx="0">
+              <a:srgbClr val="FFFFFF"/>
+            </a:fillRef>
+            <a:effectRef idx="0">
+              <a:srgbClr val="FFFFFF"/>
+            </a:effectRef>
+            <a:fontRef idx="minor">
+              <a:schemeClr val="tx1"/>
+            </a:fontRef>
+          </p:style>
+        </p:cxnSp>
+      </p:grpSp>
     </p:spTree>
   </p:cSld>
   <p:clrMapOvr>
@@ -19139,13 +20007,85 @@
 
 <file path=ppt/tags/tag263.xml><?xml version="1.0" encoding="utf-8"?>
 <p:tagLst xmlns:p="http://schemas.openxmlformats.org/presentationml/2006/main">
+  <p:tag name="KSO_WM_BEAUTIFY_FLAG" val=""/>
+</p:tagLst>
+</file>
+
+<file path=ppt/tags/tag264.xml><?xml version="1.0" encoding="utf-8"?>
+<p:tagLst xmlns:p="http://schemas.openxmlformats.org/presentationml/2006/main">
+  <p:tag name="KSO_WM_BEAUTIFY_FLAG" val=""/>
+</p:tagLst>
+</file>
+
+<file path=ppt/tags/tag265.xml><?xml version="1.0" encoding="utf-8"?>
+<p:tagLst xmlns:p="http://schemas.openxmlformats.org/presentationml/2006/main">
+  <p:tag name="KSO_WM_BEAUTIFY_FLAG" val=""/>
+</p:tagLst>
+</file>
+
+<file path=ppt/tags/tag266.xml><?xml version="1.0" encoding="utf-8"?>
+<p:tagLst xmlns:p="http://schemas.openxmlformats.org/presentationml/2006/main">
+  <p:tag name="KSO_WM_BEAUTIFY_FLAG" val=""/>
+</p:tagLst>
+</file>
+
+<file path=ppt/tags/tag267.xml><?xml version="1.0" encoding="utf-8"?>
+<p:tagLst xmlns:p="http://schemas.openxmlformats.org/presentationml/2006/main">
+  <p:tag name="KSO_WM_BEAUTIFY_FLAG" val=""/>
+</p:tagLst>
+</file>
+
+<file path=ppt/tags/tag268.xml><?xml version="1.0" encoding="utf-8"?>
+<p:tagLst xmlns:p="http://schemas.openxmlformats.org/presentationml/2006/main">
+  <p:tag name="KSO_WM_BEAUTIFY_FLAG" val=""/>
+</p:tagLst>
+</file>
+
+<file path=ppt/tags/tag269.xml><?xml version="1.0" encoding="utf-8"?>
+<p:tagLst xmlns:p="http://schemas.openxmlformats.org/presentationml/2006/main">
+  <p:tag name="KSO_WM_BEAUTIFY_FLAG" val=""/>
+</p:tagLst>
+</file>
+
+<file path=ppt/tags/tag27.xml><?xml version="1.0" encoding="utf-8"?>
+<p:tagLst xmlns:p="http://schemas.openxmlformats.org/presentationml/2006/main">
+  <p:tag name="KSO_WM_BEAUTIFY_FLAG" val=""/>
+</p:tagLst>
+</file>
+
+<file path=ppt/tags/tag270.xml><?xml version="1.0" encoding="utf-8"?>
+<p:tagLst xmlns:p="http://schemas.openxmlformats.org/presentationml/2006/main">
+  <p:tag name="KSO_WM_BEAUTIFY_FLAG" val=""/>
+</p:tagLst>
+</file>
+
+<file path=ppt/tags/tag271.xml><?xml version="1.0" encoding="utf-8"?>
+<p:tagLst xmlns:p="http://schemas.openxmlformats.org/presentationml/2006/main">
+  <p:tag name="KSO_WM_BEAUTIFY_FLAG" val=""/>
+</p:tagLst>
+</file>
+
+<file path=ppt/tags/tag272.xml><?xml version="1.0" encoding="utf-8"?>
+<p:tagLst xmlns:p="http://schemas.openxmlformats.org/presentationml/2006/main">
+  <p:tag name="KSO_WM_BEAUTIFY_FLAG" val=""/>
+</p:tagLst>
+</file>
+
+<file path=ppt/tags/tag273.xml><?xml version="1.0" encoding="utf-8"?>
+<p:tagLst xmlns:p="http://schemas.openxmlformats.org/presentationml/2006/main">
+  <p:tag name="KSO_WM_BEAUTIFY_FLAG" val=""/>
+</p:tagLst>
+</file>
+
+<file path=ppt/tags/tag274.xml><?xml version="1.0" encoding="utf-8"?>
+<p:tagLst xmlns:p="http://schemas.openxmlformats.org/presentationml/2006/main">
+  <p:tag name="KSO_WM_BEAUTIFY_FLAG" val=""/>
+</p:tagLst>
+</file>
+
+<file path=ppt/tags/tag275.xml><?xml version="1.0" encoding="utf-8"?>
+<p:tagLst xmlns:p="http://schemas.openxmlformats.org/presentationml/2006/main">
   <p:tag name="COMMONDATA" val="eyJoZGlkIjoiY2M4NWUzZTA2MzRhYTg2NmU2MGIwZDEyYTIxMDQ1MWUifQ=="/>
-</p:tagLst>
-</file>
-
-<file path=ppt/tags/tag27.xml><?xml version="1.0" encoding="utf-8"?>
-<p:tagLst xmlns:p="http://schemas.openxmlformats.org/presentationml/2006/main">
-  <p:tag name="KSO_WM_BEAUTIFY_FLAG" val=""/>
 </p:tagLst>
 </file>
 
